--- a/B0544255_許懿傑_G11.pptx
+++ b/B0544255_許懿傑_G11.pptx
@@ -16,8 +16,6 @@
     <p:sldId id="261" r:id="rId13"/>
     <p:sldId id="262" r:id="rId14"/>
     <p:sldId id="263" r:id="rId15"/>
-    <p:sldId id="264" r:id="rId16"/>
-    <p:sldId id="265" r:id="rId17"/>
   </p:sldIdLst>
   <p:sldSz cx="13004800" cy="9753600"/>
   <p:notesSz cx="6858000" cy="9144000"/>
@@ -3098,112 +3096,6 @@
 </p:sld>
 </file>
 
-<file path=ppt/slides/slide10.xml><?xml version="1.0" encoding="utf-8"?>
-<p:sld xmlns:a="http://schemas.openxmlformats.org/drawingml/2006/main" xmlns:r="http://schemas.openxmlformats.org/officeDocument/2006/relationships" xmlns:p="http://schemas.openxmlformats.org/presentationml/2006/main" xmlns:m="http://schemas.openxmlformats.org/officeDocument/2006/math" xmlns:a14="http://schemas.microsoft.com/office/drawing/2010/main" showMasterSp="1" showMasterPhAnim="1">
-  <p:cSld>
-    <p:spTree>
-      <p:nvGrpSpPr>
-        <p:cNvPr id="1" name=""/>
-        <p:cNvGrpSpPr/>
-        <p:nvPr/>
-      </p:nvGrpSpPr>
-      <p:grpSpPr>
-        <a:xfrm>
-          <a:off x="0" y="0"/>
-          <a:ext cx="0" cy="0"/>
-          <a:chOff x="0" y="0"/>
-          <a:chExt cx="0" cy="0"/>
-        </a:xfrm>
-      </p:grpSpPr>
-      <p:sp>
-        <p:nvSpPr>
-          <p:cNvPr id="190" name="Reference"/>
-          <p:cNvSpPr txBox="1"/>
-          <p:nvPr/>
-        </p:nvSpPr>
-        <p:spPr>
-          <a:xfrm>
-            <a:off x="4830902" y="1000551"/>
-            <a:ext cx="3342996" cy="895245"/>
-          </a:xfrm>
-          <a:prstGeom prst="rect">
-            <a:avLst/>
-          </a:prstGeom>
-          <a:ln w="12700">
-            <a:miter lim="400000"/>
-          </a:ln>
-          <a:extLst>
-            <a:ext uri="{C572A759-6A51-4108-AA02-DFA0A04FC94B}">
-              <ma14:wrappingTextBoxFlag xmlns:ma14="http://schemas.microsoft.com/office/mac/drawingml/2011/main" val="1"/>
-            </a:ext>
-          </a:extLst>
-        </p:spPr>
-        <p:txBody>
-          <a:bodyPr wrap="none" lIns="50800" tIns="50800" rIns="50800" bIns="50800" anchor="ctr">
-            <a:spAutoFit/>
-          </a:bodyPr>
-          <a:lstStyle>
-            <a:lvl1pPr>
-              <a:defRPr sz="5200"/>
-            </a:lvl1pPr>
-          </a:lstStyle>
-          <a:p>
-            <a:pPr/>
-            <a:r>
-              <a:t>Reference</a:t>
-            </a:r>
-          </a:p>
-        </p:txBody>
-      </p:sp>
-      <p:sp>
-        <p:nvSpPr>
-          <p:cNvPr id="191" name="http://www.netmba.com/mgmt/scientific/"/>
-          <p:cNvSpPr txBox="1"/>
-          <p:nvPr/>
-        </p:nvSpPr>
-        <p:spPr>
-          <a:xfrm>
-            <a:off x="3642461" y="2315016"/>
-            <a:ext cx="5719878" cy="461367"/>
-          </a:xfrm>
-          <a:prstGeom prst="rect">
-            <a:avLst/>
-          </a:prstGeom>
-          <a:ln w="12700">
-            <a:miter lim="400000"/>
-          </a:ln>
-          <a:extLst>
-            <a:ext uri="{C572A759-6A51-4108-AA02-DFA0A04FC94B}">
-              <ma14:wrappingTextBoxFlag xmlns:ma14="http://schemas.microsoft.com/office/mac/drawingml/2011/main" val="1"/>
-            </a:ext>
-          </a:extLst>
-        </p:spPr>
-        <p:txBody>
-          <a:bodyPr wrap="none" lIns="50800" tIns="50800" rIns="50800" bIns="50800" anchor="ctr">
-            <a:spAutoFit/>
-          </a:bodyPr>
-          <a:lstStyle>
-            <a:lvl1pPr>
-              <a:defRPr b="0"/>
-            </a:lvl1pPr>
-          </a:lstStyle>
-          <a:p>
-            <a:pPr/>
-            <a:r>
-              <a:t>http://www.netmba.com/mgmt/scientific/</a:t>
-            </a:r>
-          </a:p>
-        </p:txBody>
-      </p:sp>
-    </p:spTree>
-  </p:cSld>
-  <p:clrMapOvr>
-    <a:masterClrMapping/>
-  </p:clrMapOvr>
-  <p:transition xmlns:p14="http://schemas.microsoft.com/office/powerpoint/2010/main" spd="med" advClick="1"/>
-</p:sld>
-</file>
-
 <file path=ppt/slides/slide2.xml><?xml version="1.0" encoding="utf-8"?>
 <p:sld xmlns:a="http://schemas.openxmlformats.org/drawingml/2006/main" xmlns:r="http://schemas.openxmlformats.org/officeDocument/2006/relationships" xmlns:p="http://schemas.openxmlformats.org/presentationml/2006/main" xmlns:m="http://schemas.openxmlformats.org/officeDocument/2006/math" xmlns:a14="http://schemas.microsoft.com/office/drawing/2010/main" showMasterSp="1" showMasterPhAnim="1">
   <p:cSld>
@@ -4937,14 +4829,14 @@
       </p:grpSpPr>
       <p:sp>
         <p:nvSpPr>
-          <p:cNvPr id="163" name="The Structure of Theory"/>
+          <p:cNvPr id="163" name="Application and Influence"/>
           <p:cNvSpPr txBox="1"/>
           <p:nvPr/>
         </p:nvSpPr>
         <p:spPr>
           <a:xfrm>
-            <a:off x="2713989" y="1000551"/>
-            <a:ext cx="7576821" cy="895245"/>
+            <a:off x="2349449" y="1000551"/>
+            <a:ext cx="8305902" cy="895245"/>
           </a:xfrm>
           <a:prstGeom prst="rect">
             <a:avLst/>
@@ -4970,21 +4862,21 @@
           <a:p>
             <a:pPr/>
             <a:r>
-              <a:t>The Structure of Theory</a:t>
-            </a:r>
-          </a:p>
-        </p:txBody>
-      </p:sp>
-      <p:sp>
-        <p:nvSpPr>
-          <p:cNvPr id="164" name="Science"/>
+              <a:t>Application and Influence </a:t>
+            </a:r>
+          </a:p>
+        </p:txBody>
+      </p:sp>
+      <p:sp>
+        <p:nvSpPr>
+          <p:cNvPr id="164" name="United Parcel Service, UPS Use the scientific management to track and avoid the wasted time. And also calculate the shortest delivery routes."/>
           <p:cNvSpPr txBox="1"/>
           <p:nvPr/>
         </p:nvSpPr>
         <p:spPr>
           <a:xfrm>
-            <a:off x="3034551" y="2546680"/>
-            <a:ext cx="1608786" cy="572781"/>
+            <a:off x="1897481" y="2383992"/>
+            <a:ext cx="9209838" cy="1557578"/>
           </a:xfrm>
           <a:prstGeom prst="rect">
             <a:avLst/>
@@ -5002,29 +4894,41 @@
           <a:bodyPr wrap="none" lIns="50800" tIns="50800" rIns="50800" bIns="50800" anchor="ctr">
             <a:spAutoFit/>
           </a:bodyPr>
-          <a:lstStyle>
-            <a:lvl1pPr>
-              <a:defRPr sz="3100"/>
-            </a:lvl1pPr>
-          </a:lstStyle>
-          <a:p>
-            <a:pPr/>
-            <a:r>
-              <a:t>Science</a:t>
-            </a:r>
-          </a:p>
-        </p:txBody>
-      </p:sp>
-      <p:sp>
-        <p:nvSpPr>
-          <p:cNvPr id="165" name="Select Workers"/>
+          <a:lstStyle/>
+          <a:p>
+            <a:pPr>
+              <a:lnSpc>
+                <a:spcPct val="150000"/>
+              </a:lnSpc>
+              <a:defRPr b="0"/>
+            </a:pPr>
+            <a:r>
+              <a:rPr b="1"/>
+              <a:t>United Parcel Service, UPS</a:t>
+            </a:r>
+            <a:br>
+              <a:rPr b="1"/>
+            </a:br>
+            <a:r>
+              <a:t>Use the scientific management to track and avoid the wasted time.</a:t>
+            </a:r>
+            <a:br/>
+            <a:r>
+              <a:t>And also calculate the shortest delivery routes.</a:t>
+            </a:r>
+          </a:p>
+        </p:txBody>
+      </p:sp>
+      <p:sp>
+        <p:nvSpPr>
+          <p:cNvPr id="165" name="Explicit Procedures For Drivers Kinds of the artificial intelligence which help people to use the data and analyze.…"/>
           <p:cNvSpPr txBox="1"/>
           <p:nvPr/>
         </p:nvSpPr>
         <p:spPr>
           <a:xfrm>
-            <a:off x="7718538" y="2546680"/>
-            <a:ext cx="2956815" cy="572781"/>
+            <a:off x="887221" y="4546183"/>
+            <a:ext cx="11230357" cy="1557579"/>
           </a:xfrm>
           <a:prstGeom prst="rect">
             <a:avLst/>
@@ -5042,29 +4946,48 @@
           <a:bodyPr wrap="none" lIns="50800" tIns="50800" rIns="50800" bIns="50800" anchor="ctr">
             <a:spAutoFit/>
           </a:bodyPr>
-          <a:lstStyle>
-            <a:lvl1pPr>
-              <a:defRPr sz="3100"/>
-            </a:lvl1pPr>
-          </a:lstStyle>
-          <a:p>
-            <a:pPr/>
-            <a:r>
-              <a:t>Select Workers</a:t>
-            </a:r>
-          </a:p>
-        </p:txBody>
-      </p:sp>
-      <p:sp>
-        <p:nvSpPr>
-          <p:cNvPr id="166" name="Train Workers"/>
+          <a:lstStyle/>
+          <a:p>
+            <a:pPr>
+              <a:lnSpc>
+                <a:spcPct val="150000"/>
+              </a:lnSpc>
+              <a:defRPr b="0"/>
+            </a:pPr>
+            <a:r>
+              <a:rPr b="1"/>
+              <a:t>Explicit Procedures For Drivers</a:t>
+            </a:r>
+            <a:br>
+              <a:rPr b="1"/>
+            </a:br>
+            <a:r>
+              <a:t>Kinds of the artificial intelligence which help people to use the data and analyze.</a:t>
+            </a:r>
+          </a:p>
+          <a:p>
+            <a:pPr>
+              <a:lnSpc>
+                <a:spcPct val="150000"/>
+              </a:lnSpc>
+              <a:defRPr b="0"/>
+            </a:pPr>
+            <a:r>
+              <a:t>Give us the routes which avoid left turns, unbuckle seat belt with left hand, … etc.</a:t>
+            </a:r>
+          </a:p>
+        </p:txBody>
+      </p:sp>
+      <p:sp>
+        <p:nvSpPr>
+          <p:cNvPr id="166" name="Motion Study…"/>
           <p:cNvSpPr txBox="1"/>
           <p:nvPr/>
         </p:nvSpPr>
         <p:spPr>
           <a:xfrm>
-            <a:off x="2488096" y="5826922"/>
-            <a:ext cx="2701697" cy="572781"/>
+            <a:off x="678738" y="6535883"/>
+            <a:ext cx="11647324" cy="2105762"/>
           </a:xfrm>
           <a:prstGeom prst="rect">
             <a:avLst/>
@@ -5082,239 +5005,37 @@
           <a:bodyPr wrap="none" lIns="50800" tIns="50800" rIns="50800" bIns="50800" anchor="ctr">
             <a:spAutoFit/>
           </a:bodyPr>
-          <a:lstStyle>
-            <a:lvl1pPr>
-              <a:defRPr sz="3100"/>
-            </a:lvl1pPr>
-          </a:lstStyle>
-          <a:p>
-            <a:pPr/>
-            <a:r>
-              <a:t>Train Workers</a:t>
-            </a:r>
-          </a:p>
-        </p:txBody>
-      </p:sp>
-      <p:sp>
-        <p:nvSpPr>
-          <p:cNvPr id="167" name="Support Workers"/>
-          <p:cNvSpPr txBox="1"/>
-          <p:nvPr/>
-        </p:nvSpPr>
-        <p:spPr>
-          <a:xfrm>
-            <a:off x="7554168" y="5826922"/>
-            <a:ext cx="3285555" cy="572781"/>
-          </a:xfrm>
-          <a:prstGeom prst="rect">
-            <a:avLst/>
-          </a:prstGeom>
-          <a:ln w="12700">
-            <a:miter lim="400000"/>
-          </a:ln>
-          <a:extLst>
-            <a:ext uri="{C572A759-6A51-4108-AA02-DFA0A04FC94B}">
-              <ma14:wrappingTextBoxFlag xmlns:ma14="http://schemas.microsoft.com/office/mac/drawingml/2011/main" val="1"/>
-            </a:ext>
-          </a:extLst>
-        </p:spPr>
-        <p:txBody>
-          <a:bodyPr wrap="none" lIns="50800" tIns="50800" rIns="50800" bIns="50800" anchor="ctr">
-            <a:spAutoFit/>
-          </a:bodyPr>
-          <a:lstStyle>
-            <a:lvl1pPr>
-              <a:defRPr sz="3100"/>
-            </a:lvl1pPr>
-          </a:lstStyle>
-          <a:p>
-            <a:pPr/>
-            <a:r>
-              <a:t>Support Workers</a:t>
-            </a:r>
-          </a:p>
-        </p:txBody>
-      </p:sp>
-      <p:grpSp>
-        <p:nvGrpSpPr>
-          <p:cNvPr id="171" name="Group"/>
-          <p:cNvGrpSpPr/>
-          <p:nvPr/>
-        </p:nvGrpSpPr>
-        <p:grpSpPr>
-          <a:xfrm>
-            <a:off x="1661910" y="3388691"/>
-            <a:ext cx="4354069" cy="1627675"/>
-            <a:chOff x="0" y="0"/>
-            <a:chExt cx="4354067" cy="1627673"/>
-          </a:xfrm>
-        </p:grpSpPr>
-        <p:sp>
-          <p:nvSpPr>
-            <p:cNvPr id="168" name=". Rules of motion"/>
-            <p:cNvSpPr txBox="1"/>
-            <p:nvPr/>
-          </p:nvSpPr>
-          <p:spPr>
-            <a:xfrm>
-              <a:off x="0" y="0"/>
-              <a:ext cx="2423465" cy="461366"/>
-            </a:xfrm>
-            <a:prstGeom prst="rect">
-              <a:avLst/>
-            </a:prstGeom>
-            <a:noFill/>
-            <a:ln w="12700" cap="flat">
-              <a:noFill/>
-              <a:miter lim="400000"/>
-            </a:ln>
-            <a:effectLst/>
-            <a:extLst>
-              <a:ext uri="{C572A759-6A51-4108-AA02-DFA0A04FC94B}">
-                <ma14:wrappingTextBoxFlag xmlns:ma14="http://schemas.microsoft.com/office/mac/drawingml/2011/main" val="1"/>
-              </a:ext>
-            </a:extLst>
-          </p:spPr>
-          <p:txBody>
-            <a:bodyPr wrap="none" lIns="50800" tIns="50800" rIns="50800" bIns="50800" numCol="1" anchor="ctr">
-              <a:spAutoFit/>
-            </a:bodyPr>
-            <a:lstStyle>
-              <a:lvl1pPr>
-                <a:defRPr b="0"/>
-              </a:lvl1pPr>
-            </a:lstStyle>
-            <a:p>
-              <a:pPr/>
-              <a:r>
-                <a:t>. Rules of motion</a:t>
-              </a:r>
-            </a:p>
-          </p:txBody>
-        </p:sp>
-        <p:sp>
-          <p:nvSpPr>
-            <p:cNvPr id="169" name=". Standardized work implement"/>
-            <p:cNvSpPr txBox="1"/>
-            <p:nvPr/>
-          </p:nvSpPr>
-          <p:spPr>
-            <a:xfrm>
-              <a:off x="-1" y="583153"/>
-              <a:ext cx="4354069" cy="461367"/>
-            </a:xfrm>
-            <a:prstGeom prst="rect">
-              <a:avLst/>
-            </a:prstGeom>
-            <a:noFill/>
-            <a:ln w="12700" cap="flat">
-              <a:noFill/>
-              <a:miter lim="400000"/>
-            </a:ln>
-            <a:effectLst/>
-            <a:extLst>
-              <a:ext uri="{C572A759-6A51-4108-AA02-DFA0A04FC94B}">
-                <ma14:wrappingTextBoxFlag xmlns:ma14="http://schemas.microsoft.com/office/mac/drawingml/2011/main" val="1"/>
-              </a:ext>
-            </a:extLst>
-          </p:spPr>
-          <p:txBody>
-            <a:bodyPr wrap="none" lIns="50800" tIns="50800" rIns="50800" bIns="50800" numCol="1" anchor="ctr">
-              <a:spAutoFit/>
-            </a:bodyPr>
-            <a:lstStyle>
-              <a:lvl1pPr>
-                <a:defRPr b="0"/>
-              </a:lvl1pPr>
-            </a:lstStyle>
-            <a:p>
-              <a:pPr/>
-              <a:r>
-                <a:t>. Standardized work implement</a:t>
-              </a:r>
-            </a:p>
-          </p:txBody>
-        </p:sp>
-        <p:sp>
-          <p:nvSpPr>
-            <p:cNvPr id="170" name=". Proper working conditions"/>
-            <p:cNvSpPr txBox="1"/>
-            <p:nvPr/>
-          </p:nvSpPr>
-          <p:spPr>
-            <a:xfrm>
-              <a:off x="0" y="1166307"/>
-              <a:ext cx="3862426" cy="461367"/>
-            </a:xfrm>
-            <a:prstGeom prst="rect">
-              <a:avLst/>
-            </a:prstGeom>
-            <a:noFill/>
-            <a:ln w="12700" cap="flat">
-              <a:noFill/>
-              <a:miter lim="400000"/>
-            </a:ln>
-            <a:effectLst/>
-            <a:extLst>
-              <a:ext uri="{C572A759-6A51-4108-AA02-DFA0A04FC94B}">
-                <ma14:wrappingTextBoxFlag xmlns:ma14="http://schemas.microsoft.com/office/mac/drawingml/2011/main" val="1"/>
-              </a:ext>
-            </a:extLst>
-          </p:spPr>
-          <p:txBody>
-            <a:bodyPr wrap="none" lIns="50800" tIns="50800" rIns="50800" bIns="50800" numCol="1" anchor="ctr">
-              <a:spAutoFit/>
-            </a:bodyPr>
-            <a:lstStyle>
-              <a:lvl1pPr>
-                <a:defRPr b="0"/>
-              </a:lvl1pPr>
-            </a:lstStyle>
-            <a:p>
-              <a:pPr/>
-              <a:r>
-                <a:t>. Proper working conditions</a:t>
-              </a:r>
-            </a:p>
-          </p:txBody>
-        </p:sp>
-      </p:grpSp>
-      <p:sp>
-        <p:nvSpPr>
-          <p:cNvPr id="172" name="With the right ability for the job"/>
-          <p:cNvSpPr txBox="1"/>
-          <p:nvPr/>
-        </p:nvSpPr>
-        <p:spPr>
-          <a:xfrm>
-            <a:off x="7433695" y="3443361"/>
-            <a:ext cx="4291890" cy="461367"/>
-          </a:xfrm>
-          <a:prstGeom prst="rect">
-            <a:avLst/>
-          </a:prstGeom>
-          <a:ln w="12700">
-            <a:miter lim="400000"/>
-          </a:ln>
-          <a:extLst>
-            <a:ext uri="{C572A759-6A51-4108-AA02-DFA0A04FC94B}">
-              <ma14:wrappingTextBoxFlag xmlns:ma14="http://schemas.microsoft.com/office/mac/drawingml/2011/main" val="1"/>
-            </a:ext>
-          </a:extLst>
-        </p:spPr>
-        <p:txBody>
-          <a:bodyPr wrap="none" lIns="50800" tIns="50800" rIns="50800" bIns="50800" anchor="ctr">
-            <a:spAutoFit/>
-          </a:bodyPr>
-          <a:lstStyle>
-            <a:lvl1pPr>
+          <a:lstStyle/>
+          <a:p>
+            <a:pPr>
+              <a:lnSpc>
+                <a:spcPct val="150000"/>
+              </a:lnSpc>
               <a:defRPr b="0"/>
-            </a:lvl1pPr>
-          </a:lstStyle>
-          <a:p>
-            <a:pPr/>
-            <a:r>
-              <a:t>With the right ability for the job</a:t>
+            </a:pPr>
+            <a:r>
+              <a:rPr b="1"/>
+              <a:t>Motion Study</a:t>
+            </a:r>
+            <a:endParaRPr b="1"/>
+          </a:p>
+          <a:p>
+            <a:pPr>
+              <a:lnSpc>
+                <a:spcPct val="150000"/>
+              </a:lnSpc>
+              <a:defRPr b="0"/>
+            </a:pPr>
+            <a:r>
+              <a:t>In the simple way to describe this study in nowadays, it will be very similar as robots.</a:t>
+            </a:r>
+            <a:br/>
+            <a:r>
+              <a:t>In the past, we pursue high productivity, but in other hand, is this good for people ?</a:t>
+            </a:r>
+            <a:br/>
+            <a:r>
+              <a:t>Maybe it’ s good for company, or economy, but how about the workers ?</a:t>
             </a:r>
           </a:p>
         </p:txBody>
@@ -5347,14 +5068,14 @@
       </p:grpSpPr>
       <p:sp>
         <p:nvSpPr>
-          <p:cNvPr id="174" name="Application and Influence"/>
+          <p:cNvPr id="168" name="Reference"/>
           <p:cNvSpPr txBox="1"/>
           <p:nvPr/>
         </p:nvSpPr>
         <p:spPr>
           <a:xfrm>
-            <a:off x="2349449" y="1000551"/>
-            <a:ext cx="8305902" cy="895245"/>
+            <a:off x="4830902" y="1000551"/>
+            <a:ext cx="3342996" cy="895245"/>
           </a:xfrm>
           <a:prstGeom prst="rect">
             <a:avLst/>
@@ -5380,259 +5101,20 @@
           <a:p>
             <a:pPr/>
             <a:r>
-              <a:t>Application and Influence </a:t>
-            </a:r>
-          </a:p>
-        </p:txBody>
-      </p:sp>
-      <p:sp>
-        <p:nvSpPr>
-          <p:cNvPr id="175" name="United Parcel Service, UPS Use the scientific management to track and avoid the wasted time. And also calculate the shortest delivery routes."/>
+              <a:t>Reference</a:t>
+            </a:r>
+          </a:p>
+        </p:txBody>
+      </p:sp>
+      <p:sp>
+        <p:nvSpPr>
+          <p:cNvPr id="169" name="https://wiki.mbalib.com/zh-tw/Frederick_Winslow_Taylor"/>
           <p:cNvSpPr txBox="1"/>
           <p:nvPr/>
         </p:nvSpPr>
         <p:spPr>
           <a:xfrm>
-            <a:off x="1897481" y="2383992"/>
-            <a:ext cx="9209838" cy="1557578"/>
-          </a:xfrm>
-          <a:prstGeom prst="rect">
-            <a:avLst/>
-          </a:prstGeom>
-          <a:ln w="12700">
-            <a:miter lim="400000"/>
-          </a:ln>
-          <a:extLst>
-            <a:ext uri="{C572A759-6A51-4108-AA02-DFA0A04FC94B}">
-              <ma14:wrappingTextBoxFlag xmlns:ma14="http://schemas.microsoft.com/office/mac/drawingml/2011/main" val="1"/>
-            </a:ext>
-          </a:extLst>
-        </p:spPr>
-        <p:txBody>
-          <a:bodyPr wrap="none" lIns="50800" tIns="50800" rIns="50800" bIns="50800" anchor="ctr">
-            <a:spAutoFit/>
-          </a:bodyPr>
-          <a:lstStyle/>
-          <a:p>
-            <a:pPr>
-              <a:lnSpc>
-                <a:spcPct val="150000"/>
-              </a:lnSpc>
-              <a:defRPr b="0"/>
-            </a:pPr>
-            <a:r>
-              <a:rPr b="1"/>
-              <a:t>United Parcel Service, UPS</a:t>
-            </a:r>
-            <a:br>
-              <a:rPr b="1"/>
-            </a:br>
-            <a:r>
-              <a:t>Use the scientific management to track and avoid the wasted time.</a:t>
-            </a:r>
-            <a:br/>
-            <a:r>
-              <a:t>And also calculate the shortest delivery routes.</a:t>
-            </a:r>
-          </a:p>
-        </p:txBody>
-      </p:sp>
-      <p:sp>
-        <p:nvSpPr>
-          <p:cNvPr id="176" name="Explicit Procedures For Drivers Kinds of the artificial intelligence which help people to use the data and analyze.…"/>
-          <p:cNvSpPr txBox="1"/>
-          <p:nvPr/>
-        </p:nvSpPr>
-        <p:spPr>
-          <a:xfrm>
-            <a:off x="887221" y="4546183"/>
-            <a:ext cx="11230357" cy="1557579"/>
-          </a:xfrm>
-          <a:prstGeom prst="rect">
-            <a:avLst/>
-          </a:prstGeom>
-          <a:ln w="12700">
-            <a:miter lim="400000"/>
-          </a:ln>
-          <a:extLst>
-            <a:ext uri="{C572A759-6A51-4108-AA02-DFA0A04FC94B}">
-              <ma14:wrappingTextBoxFlag xmlns:ma14="http://schemas.microsoft.com/office/mac/drawingml/2011/main" val="1"/>
-            </a:ext>
-          </a:extLst>
-        </p:spPr>
-        <p:txBody>
-          <a:bodyPr wrap="none" lIns="50800" tIns="50800" rIns="50800" bIns="50800" anchor="ctr">
-            <a:spAutoFit/>
-          </a:bodyPr>
-          <a:lstStyle/>
-          <a:p>
-            <a:pPr>
-              <a:lnSpc>
-                <a:spcPct val="150000"/>
-              </a:lnSpc>
-              <a:defRPr b="0"/>
-            </a:pPr>
-            <a:r>
-              <a:rPr b="1"/>
-              <a:t>Explicit Procedures For Drivers</a:t>
-            </a:r>
-            <a:br>
-              <a:rPr b="1"/>
-            </a:br>
-            <a:r>
-              <a:t>Kinds of the artificial intelligence which help people to use the data and analyze.</a:t>
-            </a:r>
-          </a:p>
-          <a:p>
-            <a:pPr>
-              <a:lnSpc>
-                <a:spcPct val="150000"/>
-              </a:lnSpc>
-              <a:defRPr b="0"/>
-            </a:pPr>
-            <a:r>
-              <a:t>Give us the routes which avoid left turns, unbuckle seat belt with left hand, … etc.</a:t>
-            </a:r>
-          </a:p>
-        </p:txBody>
-      </p:sp>
-      <p:sp>
-        <p:nvSpPr>
-          <p:cNvPr id="177" name="Motion Study…"/>
-          <p:cNvSpPr txBox="1"/>
-          <p:nvPr/>
-        </p:nvSpPr>
-        <p:spPr>
-          <a:xfrm>
-            <a:off x="678738" y="6535883"/>
-            <a:ext cx="11647324" cy="2105762"/>
-          </a:xfrm>
-          <a:prstGeom prst="rect">
-            <a:avLst/>
-          </a:prstGeom>
-          <a:ln w="12700">
-            <a:miter lim="400000"/>
-          </a:ln>
-          <a:extLst>
-            <a:ext uri="{C572A759-6A51-4108-AA02-DFA0A04FC94B}">
-              <ma14:wrappingTextBoxFlag xmlns:ma14="http://schemas.microsoft.com/office/mac/drawingml/2011/main" val="1"/>
-            </a:ext>
-          </a:extLst>
-        </p:spPr>
-        <p:txBody>
-          <a:bodyPr wrap="none" lIns="50800" tIns="50800" rIns="50800" bIns="50800" anchor="ctr">
-            <a:spAutoFit/>
-          </a:bodyPr>
-          <a:lstStyle/>
-          <a:p>
-            <a:pPr>
-              <a:lnSpc>
-                <a:spcPct val="150000"/>
-              </a:lnSpc>
-              <a:defRPr b="0"/>
-            </a:pPr>
-            <a:r>
-              <a:rPr b="1"/>
-              <a:t>Motion Study</a:t>
-            </a:r>
-            <a:endParaRPr b="1"/>
-          </a:p>
-          <a:p>
-            <a:pPr>
-              <a:lnSpc>
-                <a:spcPct val="150000"/>
-              </a:lnSpc>
-              <a:defRPr b="0"/>
-            </a:pPr>
-            <a:r>
-              <a:t>In the simple way to describe this study in nowadays, it will be very similar as robots.</a:t>
-            </a:r>
-            <a:br/>
-            <a:r>
-              <a:t>In the past, we pursue high productivity, but in other hand, is this good for people ?</a:t>
-            </a:r>
-            <a:br/>
-            <a:r>
-              <a:t>Maybe it’ s good for company, or economy, but how about the workers ?</a:t>
-            </a:r>
-          </a:p>
-        </p:txBody>
-      </p:sp>
-    </p:spTree>
-  </p:cSld>
-  <p:clrMapOvr>
-    <a:masterClrMapping/>
-  </p:clrMapOvr>
-  <p:transition xmlns:p14="http://schemas.microsoft.com/office/powerpoint/2010/main" spd="med" advClick="1"/>
-</p:sld>
-</file>
-
-<file path=ppt/slides/slide9.xml><?xml version="1.0" encoding="utf-8"?>
-<p:sld xmlns:a="http://schemas.openxmlformats.org/drawingml/2006/main" xmlns:r="http://schemas.openxmlformats.org/officeDocument/2006/relationships" xmlns:p="http://schemas.openxmlformats.org/presentationml/2006/main" xmlns:m="http://schemas.openxmlformats.org/officeDocument/2006/math" xmlns:a14="http://schemas.microsoft.com/office/drawing/2010/main" showMasterSp="1" showMasterPhAnim="1">
-  <p:cSld>
-    <p:spTree>
-      <p:nvGrpSpPr>
-        <p:cNvPr id="1" name=""/>
-        <p:cNvGrpSpPr/>
-        <p:nvPr/>
-      </p:nvGrpSpPr>
-      <p:grpSpPr>
-        <a:xfrm>
-          <a:off x="0" y="0"/>
-          <a:ext cx="0" cy="0"/>
-          <a:chOff x="0" y="0"/>
-          <a:chExt cx="0" cy="0"/>
-        </a:xfrm>
-      </p:grpSpPr>
-      <p:sp>
-        <p:nvSpPr>
-          <p:cNvPr id="179" name="Reference"/>
-          <p:cNvSpPr txBox="1"/>
-          <p:nvPr/>
-        </p:nvSpPr>
-        <p:spPr>
-          <a:xfrm>
-            <a:off x="4830902" y="1000551"/>
-            <a:ext cx="3342996" cy="895245"/>
-          </a:xfrm>
-          <a:prstGeom prst="rect">
-            <a:avLst/>
-          </a:prstGeom>
-          <a:ln w="12700">
-            <a:miter lim="400000"/>
-          </a:ln>
-          <a:extLst>
-            <a:ext uri="{C572A759-6A51-4108-AA02-DFA0A04FC94B}">
-              <ma14:wrappingTextBoxFlag xmlns:ma14="http://schemas.microsoft.com/office/mac/drawingml/2011/main" val="1"/>
-            </a:ext>
-          </a:extLst>
-        </p:spPr>
-        <p:txBody>
-          <a:bodyPr wrap="none" lIns="50800" tIns="50800" rIns="50800" bIns="50800" anchor="ctr">
-            <a:spAutoFit/>
-          </a:bodyPr>
-          <a:lstStyle>
-            <a:lvl1pPr>
-              <a:defRPr sz="5200"/>
-            </a:lvl1pPr>
-          </a:lstStyle>
-          <a:p>
-            <a:pPr/>
-            <a:r>
-              <a:t>Reference</a:t>
-            </a:r>
-          </a:p>
-        </p:txBody>
-      </p:sp>
-      <p:sp>
-        <p:nvSpPr>
-          <p:cNvPr id="180" name="https://wiki.mbalib.com/zh-tw/Frederick_Winslow_Taylor"/>
-          <p:cNvSpPr txBox="1"/>
-          <p:nvPr/>
-        </p:nvSpPr>
-        <p:spPr>
-          <a:xfrm>
-            <a:off x="2604465" y="2315016"/>
+            <a:off x="2604465" y="2124516"/>
             <a:ext cx="7795870" cy="461367"/>
           </a:xfrm>
           <a:prstGeom prst="rect">
@@ -5666,13 +5148,13 @@
       </p:sp>
       <p:sp>
         <p:nvSpPr>
-          <p:cNvPr id="181" name="https://wiki.mbalib.com/zh-tw/古典管理理论"/>
+          <p:cNvPr id="170" name="https://wiki.mbalib.com/zh-tw/古典管理理论"/>
           <p:cNvSpPr txBox="1"/>
           <p:nvPr/>
         </p:nvSpPr>
         <p:spPr>
           <a:xfrm>
-            <a:off x="3450894" y="2982581"/>
+            <a:off x="3450894" y="2792081"/>
             <a:ext cx="6103012" cy="520701"/>
           </a:xfrm>
           <a:prstGeom prst="rect">
@@ -5706,13 +5188,13 @@
       </p:sp>
       <p:sp>
         <p:nvSpPr>
-          <p:cNvPr id="182" name="https://en.wikipedia.org/wiki/Frederick_Winslow_Taylor"/>
+          <p:cNvPr id="171" name="https://en.wikipedia.org/wiki/Frederick_Winslow_Taylor"/>
           <p:cNvSpPr txBox="1"/>
           <p:nvPr/>
         </p:nvSpPr>
         <p:spPr>
           <a:xfrm>
-            <a:off x="2716174" y="3709481"/>
+            <a:off x="2716174" y="3518981"/>
             <a:ext cx="7572452" cy="461366"/>
           </a:xfrm>
           <a:prstGeom prst="rect">
@@ -5746,13 +5228,13 @@
       </p:sp>
       <p:sp>
         <p:nvSpPr>
-          <p:cNvPr id="183" name="http://aries.dyu.edu.tw/~scwu/management/ch02.pdf"/>
+          <p:cNvPr id="172" name="http://aries.dyu.edu.tw/~scwu/management/ch02.pdf"/>
           <p:cNvSpPr txBox="1"/>
           <p:nvPr/>
         </p:nvSpPr>
         <p:spPr>
           <a:xfrm>
-            <a:off x="2808376" y="4406713"/>
+            <a:off x="2808376" y="4216213"/>
             <a:ext cx="7388048" cy="461366"/>
           </a:xfrm>
           <a:prstGeom prst="rect">
@@ -5786,13 +5268,13 @@
       </p:sp>
       <p:sp>
         <p:nvSpPr>
-          <p:cNvPr id="184" name="https://wiki.mbalib.com/zh-tw/泰勒的科学管理理论"/>
+          <p:cNvPr id="173" name="https://wiki.mbalib.com/zh-tw/泰勒的科学管理理论"/>
           <p:cNvSpPr txBox="1"/>
           <p:nvPr/>
         </p:nvSpPr>
         <p:spPr>
           <a:xfrm>
-            <a:off x="2993694" y="5074278"/>
+            <a:off x="2993694" y="4883778"/>
             <a:ext cx="7017412" cy="520701"/>
           </a:xfrm>
           <a:prstGeom prst="rect">
@@ -5826,13 +5308,13 @@
       </p:sp>
       <p:sp>
         <p:nvSpPr>
-          <p:cNvPr id="185" name="https://zh.wikipedia.org/wiki/科学管理"/>
+          <p:cNvPr id="174" name="https://zh.wikipedia.org/wiki/科学管理"/>
           <p:cNvSpPr txBox="1"/>
           <p:nvPr/>
         </p:nvSpPr>
         <p:spPr>
           <a:xfrm>
-            <a:off x="3876090" y="5771510"/>
+            <a:off x="3876090" y="5581010"/>
             <a:ext cx="5252620" cy="520701"/>
           </a:xfrm>
           <a:prstGeom prst="rect">
@@ -5866,13 +5348,13 @@
       </p:sp>
       <p:sp>
         <p:nvSpPr>
-          <p:cNvPr id="186" name="https://yamol.tw/note_book.php?bsid=10619&amp;noteid=34797"/>
+          <p:cNvPr id="175" name="https://yamol.tw/note_book.php?bsid=10619&amp;noteid=34797"/>
           <p:cNvSpPr txBox="1"/>
           <p:nvPr/>
         </p:nvSpPr>
         <p:spPr>
           <a:xfrm>
-            <a:off x="2329535" y="6498409"/>
+            <a:off x="2329535" y="6307909"/>
             <a:ext cx="8345730" cy="461367"/>
           </a:xfrm>
           <a:prstGeom prst="rect">
@@ -5906,13 +5388,13 @@
       </p:sp>
       <p:sp>
         <p:nvSpPr>
-          <p:cNvPr id="187" name="https://wenku.baidu.com/view/c22c80d2a58da0116c17490e.html"/>
+          <p:cNvPr id="176" name="https://wenku.baidu.com/view/c22c80d2a58da0116c17490e.html"/>
           <p:cNvSpPr txBox="1"/>
           <p:nvPr/>
         </p:nvSpPr>
         <p:spPr>
           <a:xfrm>
-            <a:off x="1967585" y="7195642"/>
+            <a:off x="1967585" y="7005142"/>
             <a:ext cx="9069630" cy="461366"/>
           </a:xfrm>
           <a:prstGeom prst="rect">
@@ -5946,13 +5428,13 @@
       </p:sp>
       <p:sp>
         <p:nvSpPr>
-          <p:cNvPr id="188" name="https://blog.yaware.com/frederick-taylors-experiment-with-pig-iron-a-springboard-for-scientific-management/"/>
+          <p:cNvPr id="177" name="https://blog.yaware.com/frederick-taylors-experiment-with-pig-iron-a-springboard-for-scientific-management/"/>
           <p:cNvSpPr txBox="1"/>
           <p:nvPr/>
         </p:nvSpPr>
         <p:spPr>
           <a:xfrm>
-            <a:off x="566115" y="7863206"/>
+            <a:off x="566115" y="7672706"/>
             <a:ext cx="11872570" cy="829667"/>
           </a:xfrm>
           <a:prstGeom prst="rect">
@@ -5980,6 +5462,46 @@
             <a:pPr/>
             <a:r>
               <a:t>https://blog.yaware.com/frederick-taylors-experiment-with-pig-iron-a-springboard-for-scientific-management/</a:t>
+            </a:r>
+          </a:p>
+        </p:txBody>
+      </p:sp>
+      <p:sp>
+        <p:nvSpPr>
+          <p:cNvPr id="178" name="http://www.netmba.com/mgmt/scientific/"/>
+          <p:cNvSpPr txBox="1"/>
+          <p:nvPr/>
+        </p:nvSpPr>
+        <p:spPr>
+          <a:xfrm>
+            <a:off x="3642461" y="8708571"/>
+            <a:ext cx="5719878" cy="461367"/>
+          </a:xfrm>
+          <a:prstGeom prst="rect">
+            <a:avLst/>
+          </a:prstGeom>
+          <a:ln w="12700">
+            <a:miter lim="400000"/>
+          </a:ln>
+          <a:extLst>
+            <a:ext uri="{C572A759-6A51-4108-AA02-DFA0A04FC94B}">
+              <ma14:wrappingTextBoxFlag xmlns:ma14="http://schemas.microsoft.com/office/mac/drawingml/2011/main" val="1"/>
+            </a:ext>
+          </a:extLst>
+        </p:spPr>
+        <p:txBody>
+          <a:bodyPr wrap="none" lIns="50800" tIns="50800" rIns="50800" bIns="50800" anchor="ctr">
+            <a:spAutoFit/>
+          </a:bodyPr>
+          <a:lstStyle>
+            <a:lvl1pPr>
+              <a:defRPr b="0"/>
+            </a:lvl1pPr>
+          </a:lstStyle>
+          <a:p>
+            <a:pPr/>
+            <a:r>
+              <a:t>http://www.netmba.com/mgmt/scientific/</a:t>
             </a:r>
           </a:p>
         </p:txBody>
